--- a/se4ojs/resources/doc/OA_dataModel/KOBPSY2 Annotation Data Model.pptx
+++ b/se4ojs/resources/doc/OA_dataModel/KOBPSY2 Annotation Data Model.pptx
@@ -246,7 +246,7 @@
           <a:p>
             <a:fld id="{1F3A71BF-17E6-4649-92BC-B6EE46BF94E2}" type="datetimeFigureOut">
               <a:rPr lang="en-US" smtClean="0"/>
-              <a:t>1/26/2016</a:t>
+              <a:t>6/23/2016</a:t>
             </a:fld>
             <a:endParaRPr lang="en-US"/>
           </a:p>
@@ -416,7 +416,7 @@
           <a:p>
             <a:fld id="{1F3A71BF-17E6-4649-92BC-B6EE46BF94E2}" type="datetimeFigureOut">
               <a:rPr lang="en-US" smtClean="0"/>
-              <a:t>1/26/2016</a:t>
+              <a:t>6/23/2016</a:t>
             </a:fld>
             <a:endParaRPr lang="en-US"/>
           </a:p>
@@ -596,7 +596,7 @@
           <a:p>
             <a:fld id="{1F3A71BF-17E6-4649-92BC-B6EE46BF94E2}" type="datetimeFigureOut">
               <a:rPr lang="en-US" smtClean="0"/>
-              <a:t>1/26/2016</a:t>
+              <a:t>6/23/2016</a:t>
             </a:fld>
             <a:endParaRPr lang="en-US"/>
           </a:p>
@@ -766,7 +766,7 @@
           <a:p>
             <a:fld id="{1F3A71BF-17E6-4649-92BC-B6EE46BF94E2}" type="datetimeFigureOut">
               <a:rPr lang="en-US" smtClean="0"/>
-              <a:t>1/26/2016</a:t>
+              <a:t>6/23/2016</a:t>
             </a:fld>
             <a:endParaRPr lang="en-US"/>
           </a:p>
@@ -1012,7 +1012,7 @@
           <a:p>
             <a:fld id="{1F3A71BF-17E6-4649-92BC-B6EE46BF94E2}" type="datetimeFigureOut">
               <a:rPr lang="en-US" smtClean="0"/>
-              <a:t>1/26/2016</a:t>
+              <a:t>6/23/2016</a:t>
             </a:fld>
             <a:endParaRPr lang="en-US"/>
           </a:p>
@@ -1244,7 +1244,7 @@
           <a:p>
             <a:fld id="{1F3A71BF-17E6-4649-92BC-B6EE46BF94E2}" type="datetimeFigureOut">
               <a:rPr lang="en-US" smtClean="0"/>
-              <a:t>1/26/2016</a:t>
+              <a:t>6/23/2016</a:t>
             </a:fld>
             <a:endParaRPr lang="en-US"/>
           </a:p>
@@ -1611,7 +1611,7 @@
           <a:p>
             <a:fld id="{1F3A71BF-17E6-4649-92BC-B6EE46BF94E2}" type="datetimeFigureOut">
               <a:rPr lang="en-US" smtClean="0"/>
-              <a:t>1/26/2016</a:t>
+              <a:t>6/23/2016</a:t>
             </a:fld>
             <a:endParaRPr lang="en-US"/>
           </a:p>
@@ -1729,7 +1729,7 @@
           <a:p>
             <a:fld id="{1F3A71BF-17E6-4649-92BC-B6EE46BF94E2}" type="datetimeFigureOut">
               <a:rPr lang="en-US" smtClean="0"/>
-              <a:t>1/26/2016</a:t>
+              <a:t>6/23/2016</a:t>
             </a:fld>
             <a:endParaRPr lang="en-US"/>
           </a:p>
@@ -1824,7 +1824,7 @@
           <a:p>
             <a:fld id="{1F3A71BF-17E6-4649-92BC-B6EE46BF94E2}" type="datetimeFigureOut">
               <a:rPr lang="en-US" smtClean="0"/>
-              <a:t>1/26/2016</a:t>
+              <a:t>6/23/2016</a:t>
             </a:fld>
             <a:endParaRPr lang="en-US"/>
           </a:p>
@@ -2101,7 +2101,7 @@
           <a:p>
             <a:fld id="{1F3A71BF-17E6-4649-92BC-B6EE46BF94E2}" type="datetimeFigureOut">
               <a:rPr lang="en-US" smtClean="0"/>
-              <a:t>1/26/2016</a:t>
+              <a:t>6/23/2016</a:t>
             </a:fld>
             <a:endParaRPr lang="en-US"/>
           </a:p>
@@ -2354,7 +2354,7 @@
           <a:p>
             <a:fld id="{1F3A71BF-17E6-4649-92BC-B6EE46BF94E2}" type="datetimeFigureOut">
               <a:rPr lang="en-US" smtClean="0"/>
-              <a:t>1/26/2016</a:t>
+              <a:t>6/23/2016</a:t>
             </a:fld>
             <a:endParaRPr lang="en-US"/>
           </a:p>
@@ -2567,7 +2567,7 @@
           <a:p>
             <a:fld id="{1F3A71BF-17E6-4649-92BC-B6EE46BF94E2}" type="datetimeFigureOut">
               <a:rPr lang="en-US" smtClean="0"/>
-              <a:t>1/26/2016</a:t>
+              <a:t>6/23/2016</a:t>
             </a:fld>
             <a:endParaRPr lang="en-US"/>
           </a:p>
@@ -5473,6 +5473,40 @@
           </a:p>
         </p:txBody>
       </p:sp>
+      <p:cxnSp>
+        <p:nvCxnSpPr>
+          <p:cNvPr id="72" name="Gerade Verbindung mit Pfeil 71"/>
+          <p:cNvCxnSpPr/>
+          <p:nvPr/>
+        </p:nvCxnSpPr>
+        <p:spPr>
+          <a:xfrm>
+            <a:off x="7062326" y="3934857"/>
+            <a:ext cx="2024527" cy="644547"/>
+          </a:xfrm>
+          <a:prstGeom prst="straightConnector1">
+            <a:avLst/>
+          </a:prstGeom>
+          <a:ln>
+            <a:prstDash val="sysDash"/>
+            <a:tailEnd type="triangle"/>
+          </a:ln>
+        </p:spPr>
+        <p:style>
+          <a:lnRef idx="1">
+            <a:schemeClr val="accent1"/>
+          </a:lnRef>
+          <a:fillRef idx="0">
+            <a:schemeClr val="accent1"/>
+          </a:fillRef>
+          <a:effectRef idx="0">
+            <a:schemeClr val="accent1"/>
+          </a:effectRef>
+          <a:fontRef idx="minor">
+            <a:schemeClr val="tx1"/>
+          </a:fontRef>
+        </p:style>
+      </p:cxnSp>
     </p:spTree>
     <p:extLst>
       <p:ext uri="{BB962C8B-B14F-4D97-AF65-F5344CB8AC3E}">
@@ -6934,7 +6968,26 @@
                   <a:schemeClr val="tx1"/>
                 </a:solidFill>
               </a:rPr>
-              <a:t>generated uuid</a:t>
+              <a:t>textpos-Selector</a:t>
+            </a:r>
+          </a:p>
+          <a:p>
+            <a:pPr algn="ctr"/>
+            <a:r>
+              <a:rPr lang="de-DE" sz="800" smtClean="0">
+                <a:solidFill>
+                  <a:schemeClr val="tx1"/>
+                </a:solidFill>
+              </a:rPr>
+              <a:t>paragraph </a:t>
+            </a:r>
+            <a:r>
+              <a:rPr lang="de-DE" sz="800">
+                <a:solidFill>
+                  <a:schemeClr val="tx1"/>
+                </a:solidFill>
+              </a:rPr>
+              <a:t>fragment Uri + textPosUri</a:t>
             </a:r>
           </a:p>
         </p:txBody>
@@ -6987,8 +7040,37 @@
                   <a:schemeClr val="tx1"/>
                 </a:solidFill>
               </a:rPr>
-              <a:t>generated uuid</a:t>
-            </a:r>
+              <a:t>paragraph-Selector</a:t>
+            </a:r>
+            <a:endParaRPr lang="de-DE" sz="1200">
+              <a:solidFill>
+                <a:schemeClr val="tx1"/>
+              </a:solidFill>
+            </a:endParaRPr>
+          </a:p>
+          <a:p>
+            <a:pPr algn="ctr"/>
+            <a:endParaRPr lang="de-DE" sz="800" smtClean="0">
+              <a:solidFill>
+                <a:schemeClr val="tx1"/>
+              </a:solidFill>
+            </a:endParaRPr>
+          </a:p>
+          <a:p>
+            <a:pPr algn="ctr"/>
+            <a:r>
+              <a:rPr lang="de-DE" sz="800" smtClean="0">
+                <a:solidFill>
+                  <a:schemeClr val="tx1"/>
+                </a:solidFill>
+              </a:rPr>
+              <a:t>paragraphFragmentUri</a:t>
+            </a:r>
+            <a:endParaRPr lang="de-DE" sz="800">
+              <a:solidFill>
+                <a:schemeClr val="tx1"/>
+              </a:solidFill>
+            </a:endParaRPr>
           </a:p>
         </p:txBody>
       </p:sp>
@@ -7035,13 +7117,42 @@
           <a:p>
             <a:pPr algn="ctr"/>
             <a:r>
-              <a:rPr lang="de-DE" sz="1200" smtClean="0">
+              <a:rPr lang="de-DE" sz="1050" smtClean="0">
                 <a:solidFill>
                   <a:schemeClr val="tx1"/>
                 </a:solidFill>
               </a:rPr>
-              <a:t>generated uuid</a:t>
-            </a:r>
+              <a:t>exactMatch-Selector</a:t>
+            </a:r>
+            <a:endParaRPr lang="de-DE" sz="1050">
+              <a:solidFill>
+                <a:schemeClr val="tx1"/>
+              </a:solidFill>
+            </a:endParaRPr>
+          </a:p>
+          <a:p>
+            <a:pPr algn="ctr"/>
+            <a:endParaRPr lang="de-DE" sz="800" smtClean="0">
+              <a:solidFill>
+                <a:schemeClr val="tx1"/>
+              </a:solidFill>
+            </a:endParaRPr>
+          </a:p>
+          <a:p>
+            <a:pPr algn="ctr"/>
+            <a:r>
+              <a:rPr lang="de-DE" sz="800" smtClean="0">
+                <a:solidFill>
+                  <a:schemeClr val="tx1"/>
+                </a:solidFill>
+              </a:rPr>
+              <a:t>exactMatchUri</a:t>
+            </a:r>
+            <a:endParaRPr lang="de-DE" sz="800">
+              <a:solidFill>
+                <a:schemeClr val="tx1"/>
+              </a:solidFill>
+            </a:endParaRPr>
           </a:p>
         </p:txBody>
       </p:sp>
